--- a/Documentos/slides/Git e Github.pptx
+++ b/Documentos/slides/Git e Github.pptx
@@ -38905,7 +38905,7 @@
         <p:spPr>
           <a:xfrm>
             <a:off x="7315200" y="4629240"/>
-            <a:ext cx="2377439" cy="718200"/>
+            <a:ext cx="2196477" cy="501312"/>
           </a:xfrm>
           <a:prstGeom prst="rect">
             <a:avLst/>
@@ -38935,7 +38935,7 @@
               <a:tabLst/>
             </a:pPr>
             <a:r>
-              <a:rPr lang="pt-BR" sz="1300" b="0" i="0" u="none" strike="noStrike" kern="1200" cap="none">
+              <a:rPr lang="pt-BR" sz="1300" b="0" i="0" u="none" strike="noStrike" kern="1200" cap="none" dirty="0">
                 <a:ln>
                   <a:noFill/>
                 </a:ln>
@@ -38946,7 +38946,35 @@
                 <a:ea typeface="Noto Sans CJK SC" pitchFamily="2"/>
                 <a:cs typeface="Noto Sans Devanagari" pitchFamily="2"/>
               </a:rPr>
-              <a:t>Lorenzo Calabrese Circelli</a:t>
+              <a:t>Lorenzo </a:t>
+            </a:r>
+            <a:r>
+              <a:rPr lang="pt-BR" sz="1300" b="0" i="0" u="none" strike="noStrike" kern="1200" cap="none" dirty="0" err="1">
+                <a:ln>
+                  <a:noFill/>
+                </a:ln>
+                <a:solidFill>
+                  <a:srgbClr val="1C1C1C"/>
+                </a:solidFill>
+                <a:latin typeface="Noto Sans" pitchFamily="34"/>
+                <a:ea typeface="Noto Sans CJK SC" pitchFamily="2"/>
+                <a:cs typeface="Noto Sans Devanagari" pitchFamily="2"/>
+              </a:rPr>
+              <a:t>Calabrese</a:t>
+            </a:r>
+            <a:r>
+              <a:rPr lang="pt-BR" sz="1300" b="0" i="0" u="none" strike="noStrike" kern="1200" cap="none" dirty="0">
+                <a:ln>
+                  <a:noFill/>
+                </a:ln>
+                <a:solidFill>
+                  <a:srgbClr val="1C1C1C"/>
+                </a:solidFill>
+                <a:latin typeface="Noto Sans" pitchFamily="34"/>
+                <a:ea typeface="Noto Sans CJK SC" pitchFamily="2"/>
+                <a:cs typeface="Noto Sans Devanagari" pitchFamily="2"/>
+              </a:rPr>
+              <a:t> Circelli</a:t>
             </a:r>
           </a:p>
           <a:p>
@@ -38964,39 +38992,7 @@
               <a:tabLst/>
             </a:pPr>
             <a:r>
-              <a:rPr lang="pt-BR" sz="1300" b="0" i="0" u="none" strike="noStrike" kern="1200" cap="none">
-                <a:ln>
-                  <a:noFill/>
-                </a:ln>
-                <a:solidFill>
-                  <a:srgbClr val="1C1C1C"/>
-                </a:solidFill>
-                <a:latin typeface="Noto Sans" pitchFamily="34"/>
-                <a:ea typeface="Noto Sans CJK SC" pitchFamily="2"/>
-                <a:cs typeface="Noto Sans Devanagari" pitchFamily="2"/>
-              </a:rPr>
-              <a:t>Gabriel Felix Monteiro</a:t>
-            </a:r>
-          </a:p>
-          <a:p>
-            <a:pPr marL="0" marR="0" lvl="0" indent="0" rtl="0" hangingPunct="0">
-              <a:lnSpc>
-                <a:spcPct val="100000"/>
-              </a:lnSpc>
-              <a:spcBef>
-                <a:spcPts val="0"/>
-              </a:spcBef>
-              <a:spcAft>
-                <a:spcPts val="0"/>
-              </a:spcAft>
-              <a:buNone/>
-              <a:tabLst/>
-            </a:pPr>
-            <a:r>
-              <a:rPr lang="pt-BR" sz="1050" b="0" i="0" u="none" strike="noStrike" kern="1200" cap="none">
-                <a:ln>
-                  <a:noFill/>
-                </a:ln>
+              <a:rPr lang="pt-BR" sz="1050" dirty="0">
                 <a:solidFill>
                   <a:srgbClr val="666666"/>
                 </a:solidFill>
@@ -39004,8 +39000,19 @@
                 <a:ea typeface="Noto Sans CJK SC" pitchFamily="2"/>
                 <a:cs typeface="Noto Sans Devanagari" pitchFamily="2"/>
               </a:rPr>
-              <a:t>02 October 2020</a:t>
-            </a:r>
+              <a:t>14/03/2025</a:t>
+            </a:r>
+            <a:endParaRPr lang="pt-BR" sz="1050" b="0" i="0" u="none" strike="noStrike" kern="1200" cap="none" dirty="0">
+              <a:ln>
+                <a:noFill/>
+              </a:ln>
+              <a:solidFill>
+                <a:srgbClr val="666666"/>
+              </a:solidFill>
+              <a:latin typeface="Noto Sans" pitchFamily="34"/>
+              <a:ea typeface="Noto Sans CJK SC" pitchFamily="2"/>
+              <a:cs typeface="Noto Sans Devanagari" pitchFamily="2"/>
+            </a:endParaRPr>
           </a:p>
         </p:txBody>
       </p:sp>
@@ -39856,7 +39863,7 @@
                 <a:ea typeface="Noto Sans CJK SC" pitchFamily="2"/>
                 <a:cs typeface="Noto Sans Devanagari" pitchFamily="2"/>
               </a:rPr>
-              <a:t> no seu sistema possua uma identificação própria, e necessário configurá-lo primeiro, para que assim você possa usar ele nos seus projetos.</a:t>
+              <a:t> no seu sistema possua uma identificação própria, é necessário configurá-lo primeiro, para que assim você possa usar ele nos seus projetos.</a:t>
             </a:r>
           </a:p>
         </p:txBody>
@@ -45465,8 +45472,8 @@
         </p:nvSpPr>
         <p:spPr>
           <a:xfrm>
-            <a:off x="1097280" y="2336400"/>
-            <a:ext cx="5852160" cy="2598840"/>
+            <a:off x="1097279" y="2336400"/>
+            <a:ext cx="6894195" cy="2331749"/>
           </a:xfrm>
           <a:prstGeom prst="rect">
             <a:avLst/>
@@ -45477,7 +45484,7 @@
           </a:ln>
         </p:spPr>
         <p:txBody>
-          <a:bodyPr vert="horz" wrap="none" lIns="90000" tIns="45000" rIns="90000" bIns="45000" anchorCtr="0" compatLnSpc="0">
+          <a:bodyPr vert="horz" wrap="square" lIns="90000" tIns="45000" rIns="90000" bIns="45000" anchorCtr="0" compatLnSpc="0">
             <a:spAutoFit/>
           </a:bodyPr>
           <a:lstStyle/>
@@ -45496,7 +45503,7 @@
               <a:tabLst/>
             </a:pPr>
             <a:r>
-              <a:rPr lang="pt-BR" sz="1600" b="0" i="0" u="none" strike="noStrike" kern="1200" cap="none">
+              <a:rPr lang="pt-BR" sz="1600" b="0" i="0" u="none" strike="noStrike" kern="1200" cap="none" dirty="0">
                 <a:ln>
                   <a:noFill/>
                 </a:ln>
@@ -45507,7 +45514,35 @@
                 <a:ea typeface="Noto Sans CJK SC" pitchFamily="2"/>
                 <a:cs typeface="Noto Sans Devanagari" pitchFamily="2"/>
               </a:rPr>
-              <a:t>O github é um serviço online que hospeda os repositórios criados pelo git e os disponibiliza em uma plataforma para que a comunidade possa acessar e contribuir.</a:t>
+              <a:t>O github é um serviço online que hospeda os repositórios criados pelo </a:t>
+            </a:r>
+            <a:r>
+              <a:rPr lang="pt-BR" sz="1600" b="0" i="0" u="none" strike="noStrike" kern="1200" cap="none" dirty="0" err="1">
+                <a:ln>
+                  <a:noFill/>
+                </a:ln>
+                <a:solidFill>
+                  <a:srgbClr val="666666"/>
+                </a:solidFill>
+                <a:latin typeface="Noto Sans" pitchFamily="34"/>
+                <a:ea typeface="Noto Sans CJK SC" pitchFamily="2"/>
+                <a:cs typeface="Noto Sans Devanagari" pitchFamily="2"/>
+              </a:rPr>
+              <a:t>git</a:t>
+            </a:r>
+            <a:r>
+              <a:rPr lang="pt-BR" sz="1600" b="0" i="0" u="none" strike="noStrike" kern="1200" cap="none" dirty="0">
+                <a:ln>
+                  <a:noFill/>
+                </a:ln>
+                <a:solidFill>
+                  <a:srgbClr val="666666"/>
+                </a:solidFill>
+                <a:latin typeface="Noto Sans" pitchFamily="34"/>
+                <a:ea typeface="Noto Sans CJK SC" pitchFamily="2"/>
+                <a:cs typeface="Noto Sans Devanagari" pitchFamily="2"/>
+              </a:rPr>
+              <a:t> e os disponibiliza em uma plataforma para que a comunidade possa acessar e contribuir.</a:t>
             </a:r>
           </a:p>
           <a:p>
@@ -45525,7 +45560,7 @@
               <a:tabLst/>
             </a:pPr>
             <a:r>
-              <a:rPr lang="pt-BR" sz="1600" b="0" i="0" u="none" strike="noStrike" kern="1200" cap="none">
+              <a:rPr lang="pt-BR" sz="1600" b="0" i="0" u="none" strike="noStrike" kern="1200" cap="none" dirty="0">
                 <a:ln>
                   <a:noFill/>
                 </a:ln>
@@ -45536,7 +45571,35 @@
                 <a:ea typeface="Noto Sans CJK SC" pitchFamily="2"/>
                 <a:cs typeface="Noto Sans Devanagari" pitchFamily="2"/>
               </a:rPr>
-              <a:t>Nele o usuário pode criar seu próprio repositório e fazer commits de modificações, ou clonar repositórios de outros usuários e contribuir.</a:t>
+              <a:t>Nele o usuário pode criar seu próprio repositório e fazer </a:t>
+            </a:r>
+            <a:r>
+              <a:rPr lang="pt-BR" sz="1600" b="0" i="0" u="none" strike="noStrike" kern="1200" cap="none" dirty="0" err="1">
+                <a:ln>
+                  <a:noFill/>
+                </a:ln>
+                <a:solidFill>
+                  <a:srgbClr val="666666"/>
+                </a:solidFill>
+                <a:latin typeface="Noto Sans" pitchFamily="34"/>
+                <a:ea typeface="Noto Sans CJK SC" pitchFamily="2"/>
+                <a:cs typeface="Noto Sans Devanagari" pitchFamily="2"/>
+              </a:rPr>
+              <a:t>commits</a:t>
+            </a:r>
+            <a:r>
+              <a:rPr lang="pt-BR" sz="1600" b="0" i="0" u="none" strike="noStrike" kern="1200" cap="none" dirty="0">
+                <a:ln>
+                  <a:noFill/>
+                </a:ln>
+                <a:solidFill>
+                  <a:srgbClr val="666666"/>
+                </a:solidFill>
+                <a:latin typeface="Noto Sans" pitchFamily="34"/>
+                <a:ea typeface="Noto Sans CJK SC" pitchFamily="2"/>
+                <a:cs typeface="Noto Sans Devanagari" pitchFamily="2"/>
+              </a:rPr>
+              <a:t> de modificações, ou clonar repositórios de outros usuários e contribuir.</a:t>
             </a:r>
           </a:p>
           <a:p>
@@ -45554,7 +45617,7 @@
               <a:tabLst/>
             </a:pPr>
             <a:r>
-              <a:rPr lang="pt-BR" sz="1600" b="0" i="0" u="none" strike="noStrike" kern="1200" cap="none">
+              <a:rPr lang="pt-BR" sz="1600" b="0" i="0" u="none" strike="noStrike" kern="1200" cap="none" dirty="0">
                 <a:ln>
                   <a:noFill/>
                 </a:ln>
@@ -47263,20 +47326,6 @@
               <a:tabLst/>
             </a:pPr>
             <a:r>
-              <a:rPr lang="pt-BR" sz="1500" b="0" i="0" u="none" strike="noStrike" kern="1200" cap="none" dirty="0" err="1">
-                <a:ln>
-                  <a:noFill/>
-                </a:ln>
-                <a:solidFill>
-                  <a:srgbClr val="666666"/>
-                </a:solidFill>
-                <a:latin typeface="Noto Sans" pitchFamily="34"/>
-                <a:ea typeface="Noto Sans CJK SC" pitchFamily="2"/>
-                <a:cs typeface="Noto Sans Devanagari" pitchFamily="2"/>
-              </a:rPr>
-              <a:t>Necessaria</a:t>
-            </a:r>
-            <a:r>
               <a:rPr lang="pt-BR" sz="1500" b="0" i="0" u="none" strike="noStrike" kern="1200" cap="none" dirty="0">
                 <a:ln>
                   <a:noFill/>
@@ -47288,35 +47337,7 @@
                 <a:ea typeface="Noto Sans CJK SC" pitchFamily="2"/>
                 <a:cs typeface="Noto Sans Devanagari" pitchFamily="2"/>
               </a:rPr>
-              <a:t> a </a:t>
-            </a:r>
-            <a:r>
-              <a:rPr lang="pt-BR" sz="1500" b="0" i="0" u="none" strike="noStrike" kern="1200" cap="none" dirty="0" err="1">
-                <a:ln>
-                  <a:noFill/>
-                </a:ln>
-                <a:solidFill>
-                  <a:srgbClr val="666666"/>
-                </a:solidFill>
-                <a:latin typeface="Noto Sans" pitchFamily="34"/>
-                <a:ea typeface="Noto Sans CJK SC" pitchFamily="2"/>
-                <a:cs typeface="Noto Sans Devanagari" pitchFamily="2"/>
-              </a:rPr>
-              <a:t>instalacao</a:t>
-            </a:r>
-            <a:r>
-              <a:rPr lang="pt-BR" sz="1500" b="0" i="0" u="none" strike="noStrike" kern="1200" cap="none" dirty="0">
-                <a:ln>
-                  <a:noFill/>
-                </a:ln>
-                <a:solidFill>
-                  <a:srgbClr val="666666"/>
-                </a:solidFill>
-                <a:latin typeface="Noto Sans" pitchFamily="34"/>
-                <a:ea typeface="Noto Sans CJK SC" pitchFamily="2"/>
-                <a:cs typeface="Noto Sans Devanagari" pitchFamily="2"/>
-              </a:rPr>
-              <a:t>, para isso acesse:</a:t>
+              <a:t>Necessária a instalação, para isso acesse:</a:t>
             </a:r>
           </a:p>
           <a:p>
@@ -47499,35 +47520,7 @@
                 <a:ea typeface="Noto Sans CJK SC" pitchFamily="2"/>
                 <a:cs typeface="Noto Sans Devanagari" pitchFamily="2"/>
               </a:rPr>
-              <a:t>Não e necessária </a:t>
-            </a:r>
-            <a:r>
-              <a:rPr lang="pt-BR" sz="1500" b="0" i="0" u="none" strike="noStrike" kern="1200" cap="none" dirty="0" err="1">
-                <a:ln>
-                  <a:noFill/>
-                </a:ln>
-                <a:solidFill>
-                  <a:srgbClr val="666666"/>
-                </a:solidFill>
-                <a:latin typeface="Noto Sans" pitchFamily="34"/>
-                <a:ea typeface="Noto Sans CJK SC" pitchFamily="2"/>
-                <a:cs typeface="Noto Sans Devanagari" pitchFamily="2"/>
-              </a:rPr>
-              <a:t>instalacao</a:t>
-            </a:r>
-            <a:r>
-              <a:rPr lang="pt-BR" sz="1500" b="0" i="0" u="none" strike="noStrike" kern="1200" cap="none" dirty="0">
-                <a:ln>
-                  <a:noFill/>
-                </a:ln>
-                <a:solidFill>
-                  <a:srgbClr val="666666"/>
-                </a:solidFill>
-                <a:latin typeface="Noto Sans" pitchFamily="34"/>
-                <a:ea typeface="Noto Sans CJK SC" pitchFamily="2"/>
-                <a:cs typeface="Noto Sans Devanagari" pitchFamily="2"/>
-              </a:rPr>
-              <a:t>, os projetos ficarão armazenados no servidor para acesso de todos os seus colaboradores.</a:t>
+              <a:t>Não é necessária instalação, os projetos ficarão armazenados no servidor para acesso de todos os seus colaboradores.</a:t>
             </a:r>
           </a:p>
         </p:txBody>
@@ -48834,7 +48827,7 @@
                 <a:ea typeface="Noto Sans CJK SC" pitchFamily="2"/>
                 <a:cs typeface="Noto Sans Devanagari" pitchFamily="2"/>
               </a:rPr>
-              <a:t> no seu sistema possua uma identificação própria, e necessário configurá-lo primeiro, para que assim você possa usar ele nos seus projetos.</a:t>
+              <a:t> no seu sistema possua uma identificação própria, é necessário configurá-lo primeiro, para que assim você possa usar ele nos seus projetos.</a:t>
             </a:r>
           </a:p>
         </p:txBody>

--- a/Documentos/slides/Git e Github.pptx
+++ b/Documentos/slides/Git e Github.pptx
@@ -41621,7 +41621,36 @@
                 <a:ea typeface="Noto Sans CJK SC" pitchFamily="2"/>
                 <a:cs typeface="Noto Sans Devanagari" pitchFamily="2"/>
               </a:rPr>
-              <a:t>Para começar a trabalhar no projeto, primeiro ele deve ser adicionado ao seu próprio github, por meio do </a:t>
+              <a:t>Para começar a trabalhar no projeto em um projeto de outra pessoa, primeiro ele deve ser adicionado ao seu próprio </a:t>
+            </a:r>
+          </a:p>
+          <a:p>
+            <a:pPr marL="0" marR="0" lvl="0" indent="0" rtl="0" hangingPunct="0">
+              <a:lnSpc>
+                <a:spcPct val="100000"/>
+              </a:lnSpc>
+              <a:spcBef>
+                <a:spcPts val="0"/>
+              </a:spcBef>
+              <a:spcAft>
+                <a:spcPts val="0"/>
+              </a:spcAft>
+              <a:buNone/>
+              <a:tabLst/>
+            </a:pPr>
+            <a:r>
+              <a:rPr lang="pt-BR" sz="1200" b="0" i="0" u="none" strike="noStrike" kern="1200" cap="none" dirty="0">
+                <a:ln>
+                  <a:noFill/>
+                </a:ln>
+                <a:solidFill>
+                  <a:srgbClr val="666666"/>
+                </a:solidFill>
+                <a:latin typeface="Noto Sans" pitchFamily="34"/>
+                <a:ea typeface="Noto Sans CJK SC" pitchFamily="2"/>
+                <a:cs typeface="Noto Sans Devanagari" pitchFamily="2"/>
+              </a:rPr>
+              <a:t>github, por meio do </a:t>
             </a:r>
             <a:r>
               <a:rPr lang="pt-BR" sz="1200" b="0" i="0" u="none" strike="noStrike" kern="1200" cap="none" dirty="0" err="1">
@@ -41646,19 +41675,37 @@
                 <a:ea typeface="Noto Sans CJK SC" pitchFamily="2"/>
                 <a:cs typeface="Noto Sans Devanagari" pitchFamily="2"/>
               </a:rPr>
-              <a:t>.</a:t>
-            </a:r>
-            <a:endParaRPr lang="pt-BR" sz="1200" b="0" i="0" u="none" strike="noStrike" kern="1200" cap="none" dirty="0">
-              <a:ln>
-                <a:noFill/>
-              </a:ln>
-              <a:solidFill>
-                <a:srgbClr val="666666"/>
-              </a:solidFill>
-              <a:latin typeface="Noto Sans" pitchFamily="34"/>
-              <a:ea typeface="Noto Sans CJK SC" pitchFamily="2"/>
-              <a:cs typeface="Noto Sans Devanagari" pitchFamily="2"/>
-            </a:endParaRPr>
+              <a:t>. Isso só se aplica caso o repositório inicial não seja seu, se for, aí você pode pular essa etapa e</a:t>
+            </a:r>
+          </a:p>
+          <a:p>
+            <a:pPr marL="0" marR="0" lvl="0" indent="0" rtl="0" hangingPunct="0">
+              <a:lnSpc>
+                <a:spcPct val="100000"/>
+              </a:lnSpc>
+              <a:spcBef>
+                <a:spcPts val="0"/>
+              </a:spcBef>
+              <a:spcAft>
+                <a:spcPts val="0"/>
+              </a:spcAft>
+              <a:buNone/>
+              <a:tabLst/>
+            </a:pPr>
+            <a:r>
+              <a:rPr lang="pt-BR" sz="1200" b="0" i="0" u="none" strike="noStrike" kern="1200" cap="none" dirty="0">
+                <a:ln>
+                  <a:noFill/>
+                </a:ln>
+                <a:solidFill>
+                  <a:srgbClr val="666666"/>
+                </a:solidFill>
+                <a:latin typeface="Noto Sans" pitchFamily="34"/>
+                <a:ea typeface="Noto Sans CJK SC" pitchFamily="2"/>
+                <a:cs typeface="Noto Sans Devanagari" pitchFamily="2"/>
+              </a:rPr>
+              <a:t>avançar pra quinta etapa.</a:t>
+            </a:r>
           </a:p>
         </p:txBody>
       </p:sp>
@@ -43052,8 +43099,8 @@
         </p:nvSpPr>
         <p:spPr>
           <a:xfrm>
-            <a:off x="762480" y="2512109"/>
-            <a:ext cx="3388896" cy="646331"/>
+            <a:off x="762480" y="2386795"/>
+            <a:ext cx="3388896" cy="830997"/>
           </a:xfrm>
           <a:prstGeom prst="rect">
             <a:avLst/>
@@ -43119,8 +43166,30 @@
                 <a:ea typeface="Noto Sans CJK SC" pitchFamily="2"/>
                 <a:cs typeface="Noto Sans Devanagari" pitchFamily="2"/>
               </a:rPr>
-              <a:t>)</a:t>
-            </a:r>
+              <a:t>). Se você já especificou uma vez</a:t>
+            </a:r>
+            <a:r>
+              <a:rPr lang="pt-BR" sz="1200" dirty="0">
+                <a:solidFill>
+                  <a:srgbClr val="666666"/>
+                </a:solidFill>
+                <a:latin typeface="Noto Sans" pitchFamily="34"/>
+                <a:ea typeface="Noto Sans CJK SC" pitchFamily="2"/>
+                <a:cs typeface="Noto Sans Devanagari" pitchFamily="2"/>
+              </a:rPr>
+              <a:t> não precisa fazer de novo.</a:t>
+            </a:r>
+            <a:endParaRPr lang="pt-BR" sz="1200" b="0" i="0" u="none" strike="noStrike" kern="1200" cap="none" dirty="0">
+              <a:ln>
+                <a:noFill/>
+              </a:ln>
+              <a:solidFill>
+                <a:srgbClr val="666666"/>
+              </a:solidFill>
+              <a:latin typeface="Noto Sans" pitchFamily="34"/>
+              <a:ea typeface="Noto Sans CJK SC" pitchFamily="2"/>
+              <a:cs typeface="Noto Sans Devanagari" pitchFamily="2"/>
+            </a:endParaRPr>
           </a:p>
         </p:txBody>
       </p:sp>
@@ -43603,7 +43672,7 @@
                 <a:ea typeface="Noto Sans CJK SC" pitchFamily="2"/>
                 <a:cs typeface="Noto Sans Devanagari" pitchFamily="2"/>
               </a:rPr>
-              <a:t>pull</a:t>
+              <a:t>push</a:t>
             </a:r>
             <a:r>
               <a:rPr lang="pt-BR" sz="1200" b="0" i="0" u="none" strike="noStrike" kern="1200" cap="none" dirty="0">
@@ -43673,20 +43742,118 @@
               </a:rPr>
               <a:t>Main</a:t>
             </a:r>
-            <a:endParaRPr lang="pt-BR" sz="1200" b="0" i="0" u="none" strike="noStrike" kern="1200" cap="none" dirty="0">
-              <a:ln>
-                <a:noFill/>
-              </a:ln>
-              <a:solidFill>
-                <a:srgbClr val="CCCCCC"/>
-              </a:solidFill>
-              <a:highlight>
-                <a:srgbClr val="000000"/>
-              </a:highlight>
-              <a:latin typeface="Lucida Console" pitchFamily="33"/>
-              <a:ea typeface="Noto Sans CJK SC" pitchFamily="2"/>
-              <a:cs typeface="Noto Sans Devanagari" pitchFamily="2"/>
-            </a:endParaRPr>
+            <a:r>
+              <a:rPr lang="pt-BR" sz="1200" b="0" i="0" u="none" strike="noStrike" kern="1200" cap="none" dirty="0">
+                <a:ln>
+                  <a:noFill/>
+                </a:ln>
+                <a:solidFill>
+                  <a:srgbClr val="CCCCCC"/>
+                </a:solidFill>
+                <a:highlight>
+                  <a:srgbClr val="000000"/>
+                </a:highlight>
+                <a:latin typeface="Lucida Console" pitchFamily="33"/>
+                <a:ea typeface="Noto Sans CJK SC" pitchFamily="2"/>
+                <a:cs typeface="Noto Sans Devanagari" pitchFamily="2"/>
+              </a:rPr>
+              <a:t> </a:t>
+            </a:r>
+            <a:r>
+              <a:rPr lang="pt-BR" sz="1200" b="0" i="0" u="none" strike="noStrike" kern="1200" cap="none" dirty="0">
+                <a:ln>
+                  <a:noFill/>
+                </a:ln>
+                <a:solidFill>
+                  <a:schemeClr val="bg1">
+                    <a:lumMod val="50000"/>
+                  </a:schemeClr>
+                </a:solidFill>
+                <a:highlight>
+                  <a:srgbClr val="000000"/>
+                </a:highlight>
+                <a:latin typeface="Lucida Console" pitchFamily="33"/>
+                <a:ea typeface="Noto Sans CJK SC" pitchFamily="2"/>
+                <a:cs typeface="Noto Sans Devanagari" pitchFamily="2"/>
+              </a:rPr>
+              <a:t>//ou </a:t>
+            </a:r>
+            <a:r>
+              <a:rPr lang="pt-BR" sz="1200" b="0" i="0" u="none" strike="noStrike" kern="1200" cap="none" dirty="0" err="1">
+                <a:ln>
+                  <a:noFill/>
+                </a:ln>
+                <a:solidFill>
+                  <a:schemeClr val="bg1">
+                    <a:lumMod val="50000"/>
+                  </a:schemeClr>
+                </a:solidFill>
+                <a:highlight>
+                  <a:srgbClr val="000000"/>
+                </a:highlight>
+                <a:latin typeface="Lucida Console" pitchFamily="33"/>
+                <a:ea typeface="Noto Sans CJK SC" pitchFamily="2"/>
+                <a:cs typeface="Noto Sans Devanagari" pitchFamily="2"/>
+              </a:rPr>
+              <a:t>git</a:t>
+            </a:r>
+            <a:r>
+              <a:rPr lang="pt-BR" sz="1200" b="0" i="0" u="none" strike="noStrike" kern="1200" cap="none" dirty="0">
+                <a:ln>
+                  <a:noFill/>
+                </a:ln>
+                <a:solidFill>
+                  <a:schemeClr val="bg1">
+                    <a:lumMod val="50000"/>
+                  </a:schemeClr>
+                </a:solidFill>
+                <a:highlight>
+                  <a:srgbClr val="000000"/>
+                </a:highlight>
+                <a:latin typeface="Lucida Console" pitchFamily="33"/>
+                <a:ea typeface="Noto Sans CJK SC" pitchFamily="2"/>
+                <a:cs typeface="Noto Sans Devanagari" pitchFamily="2"/>
+              </a:rPr>
+              <a:t> </a:t>
+            </a:r>
+            <a:r>
+              <a:rPr lang="pt-BR" sz="1200" b="0" i="0" u="none" strike="noStrike" kern="1200" cap="none" dirty="0" err="1">
+                <a:ln>
+                  <a:noFill/>
+                </a:ln>
+                <a:solidFill>
+                  <a:schemeClr val="bg1">
+                    <a:lumMod val="50000"/>
+                  </a:schemeClr>
+                </a:solidFill>
+                <a:highlight>
+                  <a:srgbClr val="000000"/>
+                </a:highlight>
+                <a:latin typeface="Lucida Console" pitchFamily="33"/>
+                <a:ea typeface="Noto Sans CJK SC" pitchFamily="2"/>
+                <a:cs typeface="Noto Sans Devanagari" pitchFamily="2"/>
+              </a:rPr>
+              <a:t>push</a:t>
+            </a:r>
+            <a:r>
+              <a:rPr lang="pt-BR" sz="1200" b="0" i="0" u="none" strike="noStrike" kern="1200" cap="none" dirty="0">
+                <a:ln>
+                  <a:noFill/>
+                </a:ln>
+                <a:solidFill>
+                  <a:schemeClr val="bg1">
+                    <a:lumMod val="50000"/>
+                  </a:schemeClr>
+                </a:solidFill>
+                <a:highlight>
+                  <a:srgbClr val="000000"/>
+                </a:highlight>
+                <a:latin typeface="Lucida Console" pitchFamily="33"/>
+                <a:ea typeface="Noto Sans CJK SC" pitchFamily="2"/>
+                <a:cs typeface="Noto Sans Devanagari" pitchFamily="2"/>
+              </a:rPr>
+              <a:t> apenas</a:t>
+            </a:r>
           </a:p>
         </p:txBody>
       </p:sp>
